--- a/maquette_autre_fond.pptx
+++ b/maquette_autre_fond.pptx
@@ -203,7 +203,8 @@
           <a:p>
             <a:fld id="{FC8DB72E-93FD-495F-A9E5-D63B2B7609A3}" type="datetimeFigureOut">
               <a:rPr lang="fr-FR" smtClean="0"/>
-              <a:t>16/06/2018</a:t>
+              <a:pPr/>
+              <a:t>18/06/2018</a:t>
             </a:fld>
             <a:endParaRPr lang="fr-FR"/>
           </a:p>
@@ -364,6 +365,7 @@
           <a:p>
             <a:fld id="{BF24C747-78F4-4022-9DAA-B03E7C28CC14}" type="slidenum">
               <a:rPr lang="fr-FR" smtClean="0"/>
+              <a:pPr/>
               <a:t>‹N°›</a:t>
             </a:fld>
             <a:endParaRPr lang="fr-FR"/>
@@ -535,6 +537,7 @@
           <a:p>
             <a:fld id="{BF24C747-78F4-4022-9DAA-B03E7C28CC14}" type="slidenum">
               <a:rPr lang="fr-FR" smtClean="0"/>
+              <a:pPr/>
               <a:t>3</a:t>
             </a:fld>
             <a:endParaRPr lang="fr-FR"/>
@@ -731,7 +734,7 @@
             <a:fld id="{0A8BCCA3-7A13-4726-82FF-BC5ADE3EF7BA}" type="datetimeFigureOut">
               <a:rPr lang="fr-FR" smtClean="0"/>
               <a:pPr/>
-              <a:t>16/06/2018</a:t>
+              <a:t>18/06/2018</a:t>
             </a:fld>
             <a:endParaRPr lang="fr-FR"/>
           </a:p>
@@ -898,7 +901,7 @@
             <a:fld id="{0A8BCCA3-7A13-4726-82FF-BC5ADE3EF7BA}" type="datetimeFigureOut">
               <a:rPr lang="fr-FR" smtClean="0"/>
               <a:pPr/>
-              <a:t>16/06/2018</a:t>
+              <a:t>18/06/2018</a:t>
             </a:fld>
             <a:endParaRPr lang="fr-FR"/>
           </a:p>
@@ -1075,7 +1078,7 @@
             <a:fld id="{0A8BCCA3-7A13-4726-82FF-BC5ADE3EF7BA}" type="datetimeFigureOut">
               <a:rPr lang="fr-FR" smtClean="0"/>
               <a:pPr/>
-              <a:t>16/06/2018</a:t>
+              <a:t>18/06/2018</a:t>
             </a:fld>
             <a:endParaRPr lang="fr-FR"/>
           </a:p>
@@ -1242,7 +1245,7 @@
             <a:fld id="{0A8BCCA3-7A13-4726-82FF-BC5ADE3EF7BA}" type="datetimeFigureOut">
               <a:rPr lang="fr-FR" smtClean="0"/>
               <a:pPr/>
-              <a:t>16/06/2018</a:t>
+              <a:t>18/06/2018</a:t>
             </a:fld>
             <a:endParaRPr lang="fr-FR"/>
           </a:p>
@@ -1485,7 +1488,7 @@
             <a:fld id="{0A8BCCA3-7A13-4726-82FF-BC5ADE3EF7BA}" type="datetimeFigureOut">
               <a:rPr lang="fr-FR" smtClean="0"/>
               <a:pPr/>
-              <a:t>16/06/2018</a:t>
+              <a:t>18/06/2018</a:t>
             </a:fld>
             <a:endParaRPr lang="fr-FR"/>
           </a:p>
@@ -1770,7 +1773,7 @@
             <a:fld id="{0A8BCCA3-7A13-4726-82FF-BC5ADE3EF7BA}" type="datetimeFigureOut">
               <a:rPr lang="fr-FR" smtClean="0"/>
               <a:pPr/>
-              <a:t>16/06/2018</a:t>
+              <a:t>18/06/2018</a:t>
             </a:fld>
             <a:endParaRPr lang="fr-FR"/>
           </a:p>
@@ -2189,7 +2192,7 @@
             <a:fld id="{0A8BCCA3-7A13-4726-82FF-BC5ADE3EF7BA}" type="datetimeFigureOut">
               <a:rPr lang="fr-FR" smtClean="0"/>
               <a:pPr/>
-              <a:t>16/06/2018</a:t>
+              <a:t>18/06/2018</a:t>
             </a:fld>
             <a:endParaRPr lang="fr-FR"/>
           </a:p>
@@ -2304,7 +2307,7 @@
             <a:fld id="{0A8BCCA3-7A13-4726-82FF-BC5ADE3EF7BA}" type="datetimeFigureOut">
               <a:rPr lang="fr-FR" smtClean="0"/>
               <a:pPr/>
-              <a:t>16/06/2018</a:t>
+              <a:t>18/06/2018</a:t>
             </a:fld>
             <a:endParaRPr lang="fr-FR"/>
           </a:p>
@@ -2396,7 +2399,7 @@
             <a:fld id="{0A8BCCA3-7A13-4726-82FF-BC5ADE3EF7BA}" type="datetimeFigureOut">
               <a:rPr lang="fr-FR" smtClean="0"/>
               <a:pPr/>
-              <a:t>16/06/2018</a:t>
+              <a:t>18/06/2018</a:t>
             </a:fld>
             <a:endParaRPr lang="fr-FR"/>
           </a:p>
@@ -2670,7 +2673,7 @@
             <a:fld id="{0A8BCCA3-7A13-4726-82FF-BC5ADE3EF7BA}" type="datetimeFigureOut">
               <a:rPr lang="fr-FR" smtClean="0"/>
               <a:pPr/>
-              <a:t>16/06/2018</a:t>
+              <a:t>18/06/2018</a:t>
             </a:fld>
             <a:endParaRPr lang="fr-FR"/>
           </a:p>
@@ -2920,7 +2923,7 @@
             <a:fld id="{0A8BCCA3-7A13-4726-82FF-BC5ADE3EF7BA}" type="datetimeFigureOut">
               <a:rPr lang="fr-FR" smtClean="0"/>
               <a:pPr/>
-              <a:t>16/06/2018</a:t>
+              <a:t>18/06/2018</a:t>
             </a:fld>
             <a:endParaRPr lang="fr-FR"/>
           </a:p>
@@ -3130,7 +3133,7 @@
             <a:fld id="{0A8BCCA3-7A13-4726-82FF-BC5ADE3EF7BA}" type="datetimeFigureOut">
               <a:rPr lang="fr-FR" smtClean="0"/>
               <a:pPr/>
-              <a:t>16/06/2018</a:t>
+              <a:t>18/06/2018</a:t>
             </a:fld>
             <a:endParaRPr lang="fr-FR"/>
           </a:p>
@@ -4311,11 +4314,6 @@
               </a:rPr>
               <a:t>Synchronisation avec </a:t>
             </a:r>
-            <a:endParaRPr lang="fr-FR" dirty="0" smtClean="0">
-              <a:solidFill>
-                <a:schemeClr val="bg1"/>
-              </a:solidFill>
-            </a:endParaRPr>
           </a:p>
           <a:p>
             <a:pPr algn="ctr"/>
@@ -4325,15 +4323,7 @@
                   <a:schemeClr val="bg1"/>
                 </a:solidFill>
               </a:rPr>
-              <a:t>compte </a:t>
-            </a:r>
-            <a:r>
-              <a:rPr lang="fr-FR" dirty="0" smtClean="0">
-                <a:solidFill>
-                  <a:schemeClr val="bg1"/>
-                </a:solidFill>
-              </a:rPr>
-              <a:t>bancaire</a:t>
+              <a:t>compte bancaire</a:t>
             </a:r>
             <a:endParaRPr lang="fr-FR" dirty="0">
               <a:solidFill>
@@ -4985,11 +4975,6 @@
               </a:rPr>
               <a:t>Synchronisation avec </a:t>
             </a:r>
-            <a:endParaRPr lang="fr-FR" dirty="0" smtClean="0">
-              <a:solidFill>
-                <a:schemeClr val="bg1"/>
-              </a:solidFill>
-            </a:endParaRPr>
           </a:p>
           <a:p>
             <a:pPr algn="ctr"/>
@@ -4999,15 +4984,7 @@
                   <a:schemeClr val="bg1"/>
                 </a:solidFill>
               </a:rPr>
-              <a:t>compte </a:t>
-            </a:r>
-            <a:r>
-              <a:rPr lang="fr-FR" dirty="0" smtClean="0">
-                <a:solidFill>
-                  <a:schemeClr val="bg1"/>
-                </a:solidFill>
-              </a:rPr>
-              <a:t>bancaire</a:t>
+              <a:t>compte bancaire</a:t>
             </a:r>
             <a:endParaRPr lang="fr-FR" dirty="0">
               <a:solidFill>
@@ -8007,7 +7984,7 @@
             </a:avLst>
           </a:prstGeom>
           <a:solidFill>
-            <a:srgbClr val="54727D"/>
+            <a:srgbClr val="678CAB"/>
           </a:solidFill>
           <a:ln w="19050">
             <a:solidFill>
@@ -8734,7 +8711,7 @@
               <a:avLst/>
             </a:prstGeom>
             <a:solidFill>
-              <a:srgbClr val="54727D"/>
+              <a:srgbClr val="678CAB"/>
             </a:solidFill>
             <a:ln>
               <a:noFill/>
@@ -9481,15 +9458,7 @@
                   <a:schemeClr val="bg1"/>
                 </a:solidFill>
               </a:rPr>
-              <a:t>Solde </a:t>
-            </a:r>
-            <a:r>
-              <a:rPr lang="fr-FR" sz="1400" dirty="0" smtClean="0">
-                <a:solidFill>
-                  <a:schemeClr val="bg1"/>
-                </a:solidFill>
-              </a:rPr>
-              <a:t>futur</a:t>
+              <a:t>Solde futur</a:t>
             </a:r>
             <a:endParaRPr lang="fr-FR" sz="1400" dirty="0">
               <a:solidFill>
@@ -11843,15 +11812,7 @@
                     <a:schemeClr val="tx1"/>
                   </a:solidFill>
                 </a:rPr>
-                <a:t>+456 </a:t>
-              </a:r>
-              <a:r>
-                <a:rPr lang="fr-FR" b="1" dirty="0" smtClean="0">
-                  <a:solidFill>
-                    <a:schemeClr val="tx1"/>
-                  </a:solidFill>
-                </a:rPr>
-                <a:t>€</a:t>
+                <a:t>+456 €</a:t>
               </a:r>
               <a:endParaRPr lang="fr-FR" b="1" dirty="0">
                 <a:solidFill>
@@ -14444,11 +14405,6 @@
               </a:rPr>
               <a:t>Ajout des dépenses </a:t>
             </a:r>
-            <a:endParaRPr lang="fr-FR" dirty="0" smtClean="0">
-              <a:solidFill>
-                <a:schemeClr val="bg1"/>
-              </a:solidFill>
-            </a:endParaRPr>
           </a:p>
           <a:p>
             <a:pPr algn="ctr"/>
@@ -15441,11 +15397,6 @@
               </a:rPr>
               <a:t>Ajout des dépenses </a:t>
             </a:r>
-            <a:endParaRPr lang="fr-FR" dirty="0" smtClean="0">
-              <a:solidFill>
-                <a:schemeClr val="bg1"/>
-              </a:solidFill>
-            </a:endParaRPr>
           </a:p>
           <a:p>
             <a:pPr algn="ctr"/>
